--- a/docs/diagram.pptx
+++ b/docs/diagram.pptx
@@ -288,7 +288,7 @@
           <a:p>
             <a:fld id="{F0DB223F-1570-9A42-B42F-8854FDAB2203}" type="datetimeFigureOut">
               <a:rPr lang="en-US" smtClean="0"/>
-              <a:t>24.02.15</a:t>
+              <a:t>25.02.15</a:t>
             </a:fld>
             <a:endParaRPr lang="en-US"/>
           </a:p>
@@ -458,7 +458,7 @@
           <a:p>
             <a:fld id="{F0DB223F-1570-9A42-B42F-8854FDAB2203}" type="datetimeFigureOut">
               <a:rPr lang="en-US" smtClean="0"/>
-              <a:t>24.02.15</a:t>
+              <a:t>25.02.15</a:t>
             </a:fld>
             <a:endParaRPr lang="en-US"/>
           </a:p>
@@ -638,7 +638,7 @@
           <a:p>
             <a:fld id="{F0DB223F-1570-9A42-B42F-8854FDAB2203}" type="datetimeFigureOut">
               <a:rPr lang="en-US" smtClean="0"/>
-              <a:t>24.02.15</a:t>
+              <a:t>25.02.15</a:t>
             </a:fld>
             <a:endParaRPr lang="en-US"/>
           </a:p>
@@ -808,7 +808,7 @@
           <a:p>
             <a:fld id="{F0DB223F-1570-9A42-B42F-8854FDAB2203}" type="datetimeFigureOut">
               <a:rPr lang="en-US" smtClean="0"/>
-              <a:t>24.02.15</a:t>
+              <a:t>25.02.15</a:t>
             </a:fld>
             <a:endParaRPr lang="en-US"/>
           </a:p>
@@ -1054,7 +1054,7 @@
           <a:p>
             <a:fld id="{F0DB223F-1570-9A42-B42F-8854FDAB2203}" type="datetimeFigureOut">
               <a:rPr lang="en-US" smtClean="0"/>
-              <a:t>24.02.15</a:t>
+              <a:t>25.02.15</a:t>
             </a:fld>
             <a:endParaRPr lang="en-US"/>
           </a:p>
@@ -1342,7 +1342,7 @@
           <a:p>
             <a:fld id="{F0DB223F-1570-9A42-B42F-8854FDAB2203}" type="datetimeFigureOut">
               <a:rPr lang="en-US" smtClean="0"/>
-              <a:t>24.02.15</a:t>
+              <a:t>25.02.15</a:t>
             </a:fld>
             <a:endParaRPr lang="en-US"/>
           </a:p>
@@ -1764,7 +1764,7 @@
           <a:p>
             <a:fld id="{F0DB223F-1570-9A42-B42F-8854FDAB2203}" type="datetimeFigureOut">
               <a:rPr lang="en-US" smtClean="0"/>
-              <a:t>24.02.15</a:t>
+              <a:t>25.02.15</a:t>
             </a:fld>
             <a:endParaRPr lang="en-US"/>
           </a:p>
@@ -1882,7 +1882,7 @@
           <a:p>
             <a:fld id="{F0DB223F-1570-9A42-B42F-8854FDAB2203}" type="datetimeFigureOut">
               <a:rPr lang="en-US" smtClean="0"/>
-              <a:t>24.02.15</a:t>
+              <a:t>25.02.15</a:t>
             </a:fld>
             <a:endParaRPr lang="en-US"/>
           </a:p>
@@ -1977,7 +1977,7 @@
           <a:p>
             <a:fld id="{F0DB223F-1570-9A42-B42F-8854FDAB2203}" type="datetimeFigureOut">
               <a:rPr lang="en-US" smtClean="0"/>
-              <a:t>24.02.15</a:t>
+              <a:t>25.02.15</a:t>
             </a:fld>
             <a:endParaRPr lang="en-US"/>
           </a:p>
@@ -2254,7 +2254,7 @@
           <a:p>
             <a:fld id="{F0DB223F-1570-9A42-B42F-8854FDAB2203}" type="datetimeFigureOut">
               <a:rPr lang="en-US" smtClean="0"/>
-              <a:t>24.02.15</a:t>
+              <a:t>25.02.15</a:t>
             </a:fld>
             <a:endParaRPr lang="en-US"/>
           </a:p>
@@ -2507,7 +2507,7 @@
           <a:p>
             <a:fld id="{F0DB223F-1570-9A42-B42F-8854FDAB2203}" type="datetimeFigureOut">
               <a:rPr lang="en-US" smtClean="0"/>
-              <a:t>24.02.15</a:t>
+              <a:t>25.02.15</a:t>
             </a:fld>
             <a:endParaRPr lang="en-US"/>
           </a:p>
@@ -2720,7 +2720,7 @@
           <a:p>
             <a:fld id="{F0DB223F-1570-9A42-B42F-8854FDAB2203}" type="datetimeFigureOut">
               <a:rPr lang="en-US" smtClean="0"/>
-              <a:t>24.02.15</a:t>
+              <a:t>25.02.15</a:t>
             </a:fld>
             <a:endParaRPr lang="en-US"/>
           </a:p>
@@ -3354,7 +3354,7 @@
         <p:spPr>
           <a:xfrm>
             <a:off x="4635501" y="63500"/>
-            <a:ext cx="3659187" cy="1389063"/>
+            <a:ext cx="3659187" cy="1819275"/>
           </a:xfrm>
           <a:prstGeom prst="rect">
             <a:avLst/>
@@ -3449,6 +3449,26 @@
               <a:t> protocol step</a:t>
             </a:r>
           </a:p>
+          <a:p>
+            <a:pPr marL="742950" lvl="1" indent="-285750">
+              <a:buFontTx/>
+              <a:buChar char="-"/>
+            </a:pPr>
+            <a:r>
+              <a:rPr lang="en-US" sz="1200" dirty="0" smtClean="0"/>
+              <a:t>Set steering UDFs</a:t>
+            </a:r>
+          </a:p>
+          <a:p>
+            <a:pPr marL="742950" lvl="1" indent="-285750">
+              <a:buFontTx/>
+              <a:buChar char="-"/>
+            </a:pPr>
+            <a:r>
+              <a:rPr lang="en-US" sz="1200" dirty="0" smtClean="0"/>
+              <a:t>Request execute script via API if automation flag is set</a:t>
+            </a:r>
+          </a:p>
         </p:txBody>
       </p:sp>
       <p:sp>
@@ -3459,8 +3479,8 @@
         </p:nvSpPr>
         <p:spPr>
           <a:xfrm>
-            <a:off x="111125" y="1882775"/>
-            <a:ext cx="2286000" cy="1530350"/>
+            <a:off x="111125" y="1882774"/>
+            <a:ext cx="2286000" cy="2473552"/>
           </a:xfrm>
           <a:prstGeom prst="rect">
             <a:avLst/>
@@ -3596,14 +3616,15 @@
         <p:nvCxnSpPr>
           <p:cNvPr id="27" name="Straight Arrow Connector 26"/>
           <p:cNvCxnSpPr>
-            <a:endCxn id="16" idx="3"/>
+            <a:stCxn id="4" idx="2"/>
+            <a:endCxn id="18" idx="3"/>
           </p:cNvCxnSpPr>
           <p:nvPr/>
         </p:nvCxnSpPr>
         <p:spPr>
           <a:xfrm flipH="1">
-            <a:off x="2397125" y="1254125"/>
-            <a:ext cx="3016250" cy="1393825"/>
+            <a:off x="2397125" y="1429129"/>
+            <a:ext cx="2894608" cy="1120396"/>
           </a:xfrm>
           <a:prstGeom prst="straightConnector1">
             <a:avLst/>
@@ -3721,6 +3742,719 @@
           </a:p>
         </p:txBody>
       </p:sp>
+      <p:sp>
+        <p:nvSpPr>
+          <p:cNvPr id="4" name="Oval 3"/>
+          <p:cNvSpPr/>
+          <p:nvPr/>
+        </p:nvSpPr>
+        <p:spPr>
+          <a:xfrm>
+            <a:off x="5291733" y="1198577"/>
+            <a:ext cx="71721" cy="461103"/>
+          </a:xfrm>
+          <a:prstGeom prst="ellipse">
+            <a:avLst/>
+          </a:prstGeom>
+        </p:spPr>
+        <p:style>
+          <a:lnRef idx="1">
+            <a:schemeClr val="accent3"/>
+          </a:lnRef>
+          <a:fillRef idx="3">
+            <a:schemeClr val="accent3"/>
+          </a:fillRef>
+          <a:effectRef idx="2">
+            <a:schemeClr val="accent3"/>
+          </a:effectRef>
+          <a:fontRef idx="minor">
+            <a:schemeClr val="lt1"/>
+          </a:fontRef>
+        </p:style>
+        <p:txBody>
+          <a:bodyPr rtlCol="0" anchor="ctr"/>
+          <a:lstStyle/>
+          <a:p>
+            <a:pPr algn="ctr"/>
+            <a:endParaRPr lang="en-US"/>
+          </a:p>
+        </p:txBody>
+      </p:sp>
+      <p:sp>
+        <p:nvSpPr>
+          <p:cNvPr id="24" name="Rectangle 23"/>
+          <p:cNvSpPr/>
+          <p:nvPr/>
+        </p:nvSpPr>
+        <p:spPr>
+          <a:xfrm>
+            <a:off x="4635501" y="2071689"/>
+            <a:ext cx="3659187" cy="794214"/>
+          </a:xfrm>
+          <a:prstGeom prst="rect">
+            <a:avLst/>
+          </a:prstGeom>
+        </p:spPr>
+        <p:style>
+          <a:lnRef idx="1">
+            <a:schemeClr val="accent1"/>
+          </a:lnRef>
+          <a:fillRef idx="3">
+            <a:schemeClr val="accent1"/>
+          </a:fillRef>
+          <a:effectRef idx="2">
+            <a:schemeClr val="accent1"/>
+          </a:effectRef>
+          <a:fontRef idx="minor">
+            <a:schemeClr val="lt1"/>
+          </a:fontRef>
+        </p:style>
+        <p:txBody>
+          <a:bodyPr rtlCol="0" anchor="t" anchorCtr="0"/>
+          <a:lstStyle/>
+          <a:p>
+            <a:pPr algn="ctr"/>
+            <a:r>
+              <a:rPr lang="en-US" dirty="0" err="1" smtClean="0"/>
+              <a:t>start_slurm.py</a:t>
+            </a:r>
+            <a:endParaRPr lang="en-US" dirty="0" smtClean="0"/>
+          </a:p>
+          <a:p>
+            <a:pPr marL="285750" indent="-285750">
+              <a:buFontTx/>
+              <a:buChar char="-"/>
+            </a:pPr>
+            <a:r>
+              <a:rPr lang="en-US" sz="1200" dirty="0" smtClean="0"/>
+              <a:t>Submits a </a:t>
+            </a:r>
+            <a:r>
+              <a:rPr lang="en-US" sz="1200" dirty="0" err="1" smtClean="0"/>
+              <a:t>slurm</a:t>
+            </a:r>
+            <a:r>
+              <a:rPr lang="en-US" sz="1200" dirty="0" smtClean="0"/>
+              <a:t> job using </a:t>
+            </a:r>
+            <a:r>
+              <a:rPr lang="en-US" sz="1200" dirty="0" err="1" smtClean="0"/>
+              <a:t>sbatch</a:t>
+            </a:r>
+            <a:endParaRPr lang="en-US" sz="1200" dirty="0" smtClean="0"/>
+          </a:p>
+          <a:p>
+            <a:pPr marL="285750" indent="-285750">
+              <a:buFontTx/>
+              <a:buChar char="-"/>
+            </a:pPr>
+            <a:r>
+              <a:rPr lang="en-US" sz="1200" dirty="0" smtClean="0"/>
+              <a:t>Updates status UDF: script is running, job ID</a:t>
+            </a:r>
+          </a:p>
+        </p:txBody>
+      </p:sp>
+      <p:sp>
+        <p:nvSpPr>
+          <p:cNvPr id="25" name="Rectangle 24"/>
+          <p:cNvSpPr/>
+          <p:nvPr/>
+        </p:nvSpPr>
+        <p:spPr>
+          <a:xfrm>
+            <a:off x="5008564" y="3091265"/>
+            <a:ext cx="3659187" cy="1514225"/>
+          </a:xfrm>
+          <a:prstGeom prst="rect">
+            <a:avLst/>
+          </a:prstGeom>
+        </p:spPr>
+        <p:style>
+          <a:lnRef idx="1">
+            <a:schemeClr val="accent4"/>
+          </a:lnRef>
+          <a:fillRef idx="3">
+            <a:schemeClr val="accent4"/>
+          </a:fillRef>
+          <a:effectRef idx="2">
+            <a:schemeClr val="accent4"/>
+          </a:effectRef>
+          <a:fontRef idx="minor">
+            <a:schemeClr val="lt1"/>
+          </a:fontRef>
+        </p:style>
+        <p:txBody>
+          <a:bodyPr rtlCol="0" anchor="t" anchorCtr="0"/>
+          <a:lstStyle/>
+          <a:p>
+            <a:pPr algn="ctr"/>
+            <a:r>
+              <a:rPr lang="en-US" dirty="0" err="1" smtClean="0"/>
+              <a:t>demultiplex_hiseq.py</a:t>
+            </a:r>
+            <a:endParaRPr lang="en-US" dirty="0" smtClean="0"/>
+          </a:p>
+          <a:p>
+            <a:pPr algn="ctr"/>
+            <a:r>
+              <a:rPr lang="en-US" sz="1200" dirty="0" smtClean="0"/>
+              <a:t>(runs on compute node)</a:t>
+            </a:r>
+          </a:p>
+          <a:p>
+            <a:pPr marL="285750" indent="-285750">
+              <a:buFontTx/>
+              <a:buChar char="-"/>
+            </a:pPr>
+            <a:r>
+              <a:rPr lang="en-US" sz="1200" dirty="0" smtClean="0"/>
+              <a:t>Runs </a:t>
+            </a:r>
+            <a:r>
+              <a:rPr lang="en-US" sz="1200" dirty="0" err="1" smtClean="0"/>
+              <a:t>demultiplexing</a:t>
+            </a:r>
+            <a:r>
+              <a:rPr lang="en-US" sz="1200" dirty="0" smtClean="0"/>
+              <a:t> software</a:t>
+            </a:r>
+          </a:p>
+          <a:p>
+            <a:pPr marL="285750" indent="-285750">
+              <a:buFontTx/>
+              <a:buChar char="-"/>
+            </a:pPr>
+            <a:r>
+              <a:rPr lang="en-US" sz="1200" dirty="0" smtClean="0"/>
+              <a:t>Copies other files from primary storage</a:t>
+            </a:r>
+          </a:p>
+          <a:p>
+            <a:pPr marL="285750" indent="-285750">
+              <a:buFontTx/>
+              <a:buChar char="-"/>
+            </a:pPr>
+            <a:r>
+              <a:rPr lang="en-US" sz="1200" dirty="0" smtClean="0"/>
+              <a:t>Uploads results to LIMS</a:t>
+            </a:r>
+          </a:p>
+          <a:p>
+            <a:pPr marL="285750" indent="-285750">
+              <a:buFontTx/>
+              <a:buChar char="-"/>
+            </a:pPr>
+            <a:r>
+              <a:rPr lang="en-US" sz="1200" dirty="0" smtClean="0"/>
+              <a:t>Finishes </a:t>
+            </a:r>
+            <a:r>
+              <a:rPr lang="en-US" sz="1200" dirty="0" err="1" smtClean="0"/>
+              <a:t>demultiplexing</a:t>
+            </a:r>
+            <a:r>
+              <a:rPr lang="en-US" sz="1200" dirty="0" smtClean="0"/>
+              <a:t> step</a:t>
+            </a:r>
+          </a:p>
+          <a:p>
+            <a:pPr marL="285750" indent="-285750">
+              <a:buFontTx/>
+              <a:buChar char="-"/>
+            </a:pPr>
+            <a:r>
+              <a:rPr lang="en-US" sz="1200" dirty="0" smtClean="0"/>
+              <a:t>Queues up QC step if automation flag is set</a:t>
+            </a:r>
+          </a:p>
+        </p:txBody>
+      </p:sp>
+      <p:sp>
+        <p:nvSpPr>
+          <p:cNvPr id="26" name="Rectangle 25"/>
+          <p:cNvSpPr/>
+          <p:nvPr/>
+        </p:nvSpPr>
+        <p:spPr>
+          <a:xfrm>
+            <a:off x="111125" y="2914128"/>
+            <a:ext cx="2286000" cy="476249"/>
+          </a:xfrm>
+          <a:prstGeom prst="rect">
+            <a:avLst/>
+          </a:prstGeom>
+        </p:spPr>
+        <p:style>
+          <a:lnRef idx="1">
+            <a:schemeClr val="accent5"/>
+          </a:lnRef>
+          <a:fillRef idx="3">
+            <a:schemeClr val="accent5"/>
+          </a:fillRef>
+          <a:effectRef idx="2">
+            <a:schemeClr val="accent5"/>
+          </a:effectRef>
+          <a:fontRef idx="minor">
+            <a:schemeClr val="lt1"/>
+          </a:fontRef>
+        </p:style>
+        <p:txBody>
+          <a:bodyPr rtlCol="0" anchor="ctr"/>
+          <a:lstStyle/>
+          <a:p>
+            <a:pPr algn="ctr"/>
+            <a:r>
+              <a:rPr lang="en-US" sz="1200" dirty="0" smtClean="0"/>
+              <a:t>Protocol step: </a:t>
+            </a:r>
+            <a:r>
+              <a:rPr lang="en-US" sz="1200" dirty="0" smtClean="0"/>
+              <a:t>QC</a:t>
+            </a:r>
+            <a:endParaRPr lang="en-US" sz="1200" dirty="0"/>
+          </a:p>
+        </p:txBody>
+      </p:sp>
+      <p:cxnSp>
+        <p:nvCxnSpPr>
+          <p:cNvPr id="28" name="Straight Arrow Connector 27"/>
+          <p:cNvCxnSpPr/>
+          <p:nvPr/>
+        </p:nvCxnSpPr>
+        <p:spPr>
+          <a:xfrm flipH="1" flipV="1">
+            <a:off x="2397125" y="2636301"/>
+            <a:ext cx="2611439" cy="64300"/>
+          </a:xfrm>
+          <a:prstGeom prst="straightConnector1">
+            <a:avLst/>
+          </a:prstGeom>
+          <a:ln>
+            <a:tailEnd type="arrow"/>
+          </a:ln>
+        </p:spPr>
+        <p:style>
+          <a:lnRef idx="2">
+            <a:schemeClr val="accent3"/>
+          </a:lnRef>
+          <a:fillRef idx="0">
+            <a:schemeClr val="accent3"/>
+          </a:fillRef>
+          <a:effectRef idx="1">
+            <a:schemeClr val="accent3"/>
+          </a:effectRef>
+          <a:fontRef idx="minor">
+            <a:schemeClr val="tx1"/>
+          </a:fontRef>
+        </p:style>
+      </p:cxnSp>
+      <p:cxnSp>
+        <p:nvCxnSpPr>
+          <p:cNvPr id="31" name="Straight Arrow Connector 30"/>
+          <p:cNvCxnSpPr>
+            <a:stCxn id="36" idx="2"/>
+          </p:cNvCxnSpPr>
+          <p:nvPr/>
+        </p:nvCxnSpPr>
+        <p:spPr>
+          <a:xfrm flipH="1" flipV="1">
+            <a:off x="2397127" y="2700603"/>
+            <a:ext cx="2894606" cy="1454786"/>
+          </a:xfrm>
+          <a:prstGeom prst="straightConnector1">
+            <a:avLst/>
+          </a:prstGeom>
+          <a:ln>
+            <a:tailEnd type="arrow"/>
+          </a:ln>
+        </p:spPr>
+        <p:style>
+          <a:lnRef idx="2">
+            <a:schemeClr val="accent3"/>
+          </a:lnRef>
+          <a:fillRef idx="0">
+            <a:schemeClr val="accent3"/>
+          </a:fillRef>
+          <a:effectRef idx="1">
+            <a:schemeClr val="accent3"/>
+          </a:effectRef>
+          <a:fontRef idx="minor">
+            <a:schemeClr val="tx1"/>
+          </a:fontRef>
+        </p:style>
+      </p:cxnSp>
+      <p:sp>
+        <p:nvSpPr>
+          <p:cNvPr id="36" name="Oval 35"/>
+          <p:cNvSpPr/>
+          <p:nvPr/>
+        </p:nvSpPr>
+        <p:spPr>
+          <a:xfrm>
+            <a:off x="5291733" y="4020949"/>
+            <a:ext cx="71720" cy="268879"/>
+          </a:xfrm>
+          <a:prstGeom prst="ellipse">
+            <a:avLst/>
+          </a:prstGeom>
+        </p:spPr>
+        <p:style>
+          <a:lnRef idx="1">
+            <a:schemeClr val="accent3"/>
+          </a:lnRef>
+          <a:fillRef idx="3">
+            <a:schemeClr val="accent3"/>
+          </a:fillRef>
+          <a:effectRef idx="2">
+            <a:schemeClr val="accent3"/>
+          </a:effectRef>
+          <a:fontRef idx="minor">
+            <a:schemeClr val="lt1"/>
+          </a:fontRef>
+        </p:style>
+        <p:txBody>
+          <a:bodyPr rtlCol="0" anchor="ctr"/>
+          <a:lstStyle/>
+          <a:p>
+            <a:pPr algn="ctr"/>
+            <a:endParaRPr lang="en-US"/>
+          </a:p>
+        </p:txBody>
+      </p:sp>
+      <p:cxnSp>
+        <p:nvCxnSpPr>
+          <p:cNvPr id="38" name="Straight Arrow Connector 37"/>
+          <p:cNvCxnSpPr/>
+          <p:nvPr/>
+        </p:nvCxnSpPr>
+        <p:spPr>
+          <a:xfrm flipH="1" flipV="1">
+            <a:off x="2286000" y="2973876"/>
+            <a:ext cx="3077455" cy="1470865"/>
+          </a:xfrm>
+          <a:prstGeom prst="straightConnector1">
+            <a:avLst/>
+          </a:prstGeom>
+          <a:ln>
+            <a:tailEnd type="arrow"/>
+          </a:ln>
+        </p:spPr>
+        <p:style>
+          <a:lnRef idx="2">
+            <a:schemeClr val="accent3"/>
+          </a:lnRef>
+          <a:fillRef idx="0">
+            <a:schemeClr val="accent3"/>
+          </a:fillRef>
+          <a:effectRef idx="1">
+            <a:schemeClr val="accent3"/>
+          </a:effectRef>
+          <a:fontRef idx="minor">
+            <a:schemeClr val="tx1"/>
+          </a:fontRef>
+        </p:style>
+      </p:cxnSp>
+      <p:sp>
+        <p:nvSpPr>
+          <p:cNvPr id="32" name="Rectangle 31"/>
+          <p:cNvSpPr/>
+          <p:nvPr/>
+        </p:nvSpPr>
+        <p:spPr>
+          <a:xfrm>
+            <a:off x="4635501" y="4707677"/>
+            <a:ext cx="3659187" cy="444363"/>
+          </a:xfrm>
+          <a:prstGeom prst="rect">
+            <a:avLst/>
+          </a:prstGeom>
+        </p:spPr>
+        <p:style>
+          <a:lnRef idx="1">
+            <a:schemeClr val="accent1"/>
+          </a:lnRef>
+          <a:fillRef idx="3">
+            <a:schemeClr val="accent1"/>
+          </a:fillRef>
+          <a:effectRef idx="2">
+            <a:schemeClr val="accent1"/>
+          </a:effectRef>
+          <a:fontRef idx="minor">
+            <a:schemeClr val="lt1"/>
+          </a:fontRef>
+        </p:style>
+        <p:txBody>
+          <a:bodyPr rtlCol="0" anchor="t" anchorCtr="0"/>
+          <a:lstStyle/>
+          <a:p>
+            <a:pPr algn="ctr"/>
+            <a:r>
+              <a:rPr lang="en-US" dirty="0" err="1" smtClean="0"/>
+              <a:t>start_slurm.py</a:t>
+            </a:r>
+            <a:r>
+              <a:rPr lang="en-US" dirty="0" smtClean="0"/>
+              <a:t> (as above)</a:t>
+            </a:r>
+            <a:endParaRPr lang="en-US" sz="1200" dirty="0" smtClean="0"/>
+          </a:p>
+        </p:txBody>
+      </p:sp>
+      <p:cxnSp>
+        <p:nvCxnSpPr>
+          <p:cNvPr id="6" name="Straight Arrow Connector 5"/>
+          <p:cNvCxnSpPr/>
+          <p:nvPr/>
+        </p:nvCxnSpPr>
+        <p:spPr>
+          <a:xfrm>
+            <a:off x="5008564" y="2787649"/>
+            <a:ext cx="159740" cy="411277"/>
+          </a:xfrm>
+          <a:prstGeom prst="straightConnector1">
+            <a:avLst/>
+          </a:prstGeom>
+          <a:ln>
+            <a:tailEnd type="arrow"/>
+          </a:ln>
+        </p:spPr>
+        <p:style>
+          <a:lnRef idx="2">
+            <a:schemeClr val="accent5"/>
+          </a:lnRef>
+          <a:fillRef idx="0">
+            <a:schemeClr val="accent5"/>
+          </a:fillRef>
+          <a:effectRef idx="1">
+            <a:schemeClr val="accent5"/>
+          </a:effectRef>
+          <a:fontRef idx="minor">
+            <a:schemeClr val="tx1"/>
+          </a:fontRef>
+        </p:style>
+      </p:cxnSp>
+      <p:sp>
+        <p:nvSpPr>
+          <p:cNvPr id="17" name="TextBox 16"/>
+          <p:cNvSpPr txBox="1"/>
+          <p:nvPr/>
+        </p:nvSpPr>
+        <p:spPr>
+          <a:xfrm rot="4222814">
+            <a:off x="4940788" y="2835377"/>
+            <a:ext cx="596888" cy="276999"/>
+          </a:xfrm>
+          <a:prstGeom prst="rect">
+            <a:avLst/>
+          </a:prstGeom>
+          <a:noFill/>
+        </p:spPr>
+        <p:txBody>
+          <a:bodyPr wrap="none" rtlCol="0">
+            <a:spAutoFit/>
+          </a:bodyPr>
+          <a:lstStyle/>
+          <a:p>
+            <a:r>
+              <a:rPr lang="en-US" sz="1200" dirty="0" err="1" smtClean="0"/>
+              <a:t>sbatch</a:t>
+            </a:r>
+            <a:endParaRPr lang="en-US" sz="1200" dirty="0"/>
+          </a:p>
+        </p:txBody>
+      </p:sp>
+      <p:sp>
+        <p:nvSpPr>
+          <p:cNvPr id="33" name="Rectangle 32"/>
+          <p:cNvSpPr/>
+          <p:nvPr/>
+        </p:nvSpPr>
+        <p:spPr>
+          <a:xfrm>
+            <a:off x="5008563" y="5343775"/>
+            <a:ext cx="3659187" cy="1327353"/>
+          </a:xfrm>
+          <a:prstGeom prst="rect">
+            <a:avLst/>
+          </a:prstGeom>
+        </p:spPr>
+        <p:style>
+          <a:lnRef idx="1">
+            <a:schemeClr val="accent4"/>
+          </a:lnRef>
+          <a:fillRef idx="3">
+            <a:schemeClr val="accent4"/>
+          </a:fillRef>
+          <a:effectRef idx="2">
+            <a:schemeClr val="accent4"/>
+          </a:effectRef>
+          <a:fontRef idx="minor">
+            <a:schemeClr val="lt1"/>
+          </a:fontRef>
+        </p:style>
+        <p:txBody>
+          <a:bodyPr rtlCol="0" anchor="t" anchorCtr="0"/>
+          <a:lstStyle/>
+          <a:p>
+            <a:pPr algn="ctr"/>
+            <a:r>
+              <a:rPr lang="en-US" dirty="0" err="1" smtClean="0"/>
+              <a:t>qc_hiseq.py</a:t>
+            </a:r>
+            <a:endParaRPr lang="en-US" dirty="0" smtClean="0"/>
+          </a:p>
+          <a:p>
+            <a:pPr algn="ctr"/>
+            <a:r>
+              <a:rPr lang="en-US" sz="1200" dirty="0" smtClean="0"/>
+              <a:t>(runs on compute node)</a:t>
+            </a:r>
+          </a:p>
+          <a:p>
+            <a:pPr marL="285750" indent="-285750">
+              <a:buFontTx/>
+              <a:buChar char="-"/>
+            </a:pPr>
+            <a:r>
+              <a:rPr lang="en-US" sz="1200" dirty="0" smtClean="0"/>
+              <a:t>Run QC software</a:t>
+            </a:r>
+          </a:p>
+          <a:p>
+            <a:pPr marL="285750" indent="-285750">
+              <a:buFontTx/>
+              <a:buChar char="-"/>
+            </a:pPr>
+            <a:r>
+              <a:rPr lang="en-US" sz="1200" dirty="0" smtClean="0"/>
+              <a:t>Upload </a:t>
+            </a:r>
+            <a:r>
+              <a:rPr lang="en-US" sz="1200" dirty="0" smtClean="0"/>
+              <a:t>results to LIMS</a:t>
+            </a:r>
+          </a:p>
+          <a:p>
+            <a:pPr marL="285750" indent="-285750">
+              <a:buFontTx/>
+              <a:buChar char="-"/>
+            </a:pPr>
+            <a:r>
+              <a:rPr lang="en-US" sz="1200" dirty="0" smtClean="0"/>
+              <a:t>Finish QC step</a:t>
+            </a:r>
+            <a:endParaRPr lang="en-US" sz="1200" dirty="0" smtClean="0"/>
+          </a:p>
+          <a:p>
+            <a:pPr marL="285750" indent="-285750">
+              <a:buFontTx/>
+              <a:buChar char="-"/>
+            </a:pPr>
+            <a:r>
+              <a:rPr lang="en-US" sz="1200" dirty="0" smtClean="0"/>
+              <a:t>Send notification</a:t>
+            </a:r>
+            <a:endParaRPr lang="en-US" sz="1200" dirty="0" smtClean="0"/>
+          </a:p>
+        </p:txBody>
+      </p:sp>
+      <p:cxnSp>
+        <p:nvCxnSpPr>
+          <p:cNvPr id="34" name="Straight Arrow Connector 33"/>
+          <p:cNvCxnSpPr/>
+          <p:nvPr/>
+        </p:nvCxnSpPr>
+        <p:spPr>
+          <a:xfrm flipH="1" flipV="1">
+            <a:off x="2397123" y="3301499"/>
+            <a:ext cx="2966333" cy="3039782"/>
+          </a:xfrm>
+          <a:prstGeom prst="straightConnector1">
+            <a:avLst/>
+          </a:prstGeom>
+          <a:ln>
+            <a:tailEnd type="arrow"/>
+          </a:ln>
+        </p:spPr>
+        <p:style>
+          <a:lnRef idx="2">
+            <a:schemeClr val="accent3"/>
+          </a:lnRef>
+          <a:fillRef idx="0">
+            <a:schemeClr val="accent3"/>
+          </a:fillRef>
+          <a:effectRef idx="1">
+            <a:schemeClr val="accent3"/>
+          </a:effectRef>
+          <a:fontRef idx="minor">
+            <a:schemeClr val="tx1"/>
+          </a:fontRef>
+        </p:style>
+      </p:cxnSp>
+      <p:sp>
+        <p:nvSpPr>
+          <p:cNvPr id="40" name="TextBox 39"/>
+          <p:cNvSpPr txBox="1"/>
+          <p:nvPr/>
+        </p:nvSpPr>
+        <p:spPr>
+          <a:xfrm rot="4222814">
+            <a:off x="5380874" y="5109678"/>
+            <a:ext cx="596888" cy="276999"/>
+          </a:xfrm>
+          <a:prstGeom prst="rect">
+            <a:avLst/>
+          </a:prstGeom>
+          <a:noFill/>
+        </p:spPr>
+        <p:txBody>
+          <a:bodyPr wrap="none" rtlCol="0">
+            <a:spAutoFit/>
+          </a:bodyPr>
+          <a:lstStyle/>
+          <a:p>
+            <a:r>
+              <a:rPr lang="en-US" sz="1200" dirty="0" err="1" smtClean="0"/>
+              <a:t>sbatch</a:t>
+            </a:r>
+            <a:endParaRPr lang="en-US" sz="1200" dirty="0"/>
+          </a:p>
+        </p:txBody>
+      </p:sp>
+      <p:cxnSp>
+        <p:nvCxnSpPr>
+          <p:cNvPr id="41" name="Straight Arrow Connector 40"/>
+          <p:cNvCxnSpPr/>
+          <p:nvPr/>
+        </p:nvCxnSpPr>
+        <p:spPr>
+          <a:xfrm>
+            <a:off x="5390431" y="5111852"/>
+            <a:ext cx="159740" cy="411277"/>
+          </a:xfrm>
+          <a:prstGeom prst="straightConnector1">
+            <a:avLst/>
+          </a:prstGeom>
+          <a:ln>
+            <a:tailEnd type="arrow"/>
+          </a:ln>
+        </p:spPr>
+        <p:style>
+          <a:lnRef idx="2">
+            <a:schemeClr val="accent5"/>
+          </a:lnRef>
+          <a:fillRef idx="0">
+            <a:schemeClr val="accent5"/>
+          </a:fillRef>
+          <a:effectRef idx="1">
+            <a:schemeClr val="accent5"/>
+          </a:effectRef>
+          <a:fontRef idx="minor">
+            <a:schemeClr val="tx1"/>
+          </a:fontRef>
+        </p:style>
+      </p:cxnSp>
     </p:spTree>
     <p:extLst>
       <p:ext uri="{BB962C8B-B14F-4D97-AF65-F5344CB8AC3E}">
